--- a/Design.pptx
+++ b/Design.pptx
@@ -266,7 +266,7 @@
           <a:p>
             <a:fld id="{ED5C5C22-E027-49D5-B39E-3D0BCEE9625A}" type="datetimeFigureOut">
               <a:rPr lang="en-IL" smtClean="0"/>
-              <a:t>20-10-21</a:t>
+              <a:t>21-10-21</a:t>
             </a:fld>
             <a:endParaRPr lang="en-IL"/>
           </a:p>
@@ -466,7 +466,7 @@
           <a:p>
             <a:fld id="{ED5C5C22-E027-49D5-B39E-3D0BCEE9625A}" type="datetimeFigureOut">
               <a:rPr lang="en-IL" smtClean="0"/>
-              <a:t>20-10-21</a:t>
+              <a:t>21-10-21</a:t>
             </a:fld>
             <a:endParaRPr lang="en-IL"/>
           </a:p>
@@ -676,7 +676,7 @@
           <a:p>
             <a:fld id="{ED5C5C22-E027-49D5-B39E-3D0BCEE9625A}" type="datetimeFigureOut">
               <a:rPr lang="en-IL" smtClean="0"/>
-              <a:t>20-10-21</a:t>
+              <a:t>21-10-21</a:t>
             </a:fld>
             <a:endParaRPr lang="en-IL"/>
           </a:p>
@@ -876,7 +876,7 @@
           <a:p>
             <a:fld id="{ED5C5C22-E027-49D5-B39E-3D0BCEE9625A}" type="datetimeFigureOut">
               <a:rPr lang="en-IL" smtClean="0"/>
-              <a:t>20-10-21</a:t>
+              <a:t>21-10-21</a:t>
             </a:fld>
             <a:endParaRPr lang="en-IL"/>
           </a:p>
@@ -1152,7 +1152,7 @@
           <a:p>
             <a:fld id="{ED5C5C22-E027-49D5-B39E-3D0BCEE9625A}" type="datetimeFigureOut">
               <a:rPr lang="en-IL" smtClean="0"/>
-              <a:t>20-10-21</a:t>
+              <a:t>21-10-21</a:t>
             </a:fld>
             <a:endParaRPr lang="en-IL"/>
           </a:p>
@@ -1420,7 +1420,7 @@
           <a:p>
             <a:fld id="{ED5C5C22-E027-49D5-B39E-3D0BCEE9625A}" type="datetimeFigureOut">
               <a:rPr lang="en-IL" smtClean="0"/>
-              <a:t>20-10-21</a:t>
+              <a:t>21-10-21</a:t>
             </a:fld>
             <a:endParaRPr lang="en-IL"/>
           </a:p>
@@ -1835,7 +1835,7 @@
           <a:p>
             <a:fld id="{ED5C5C22-E027-49D5-B39E-3D0BCEE9625A}" type="datetimeFigureOut">
               <a:rPr lang="en-IL" smtClean="0"/>
-              <a:t>20-10-21</a:t>
+              <a:t>21-10-21</a:t>
             </a:fld>
             <a:endParaRPr lang="en-IL"/>
           </a:p>
@@ -1977,7 +1977,7 @@
           <a:p>
             <a:fld id="{ED5C5C22-E027-49D5-B39E-3D0BCEE9625A}" type="datetimeFigureOut">
               <a:rPr lang="en-IL" smtClean="0"/>
-              <a:t>20-10-21</a:t>
+              <a:t>21-10-21</a:t>
             </a:fld>
             <a:endParaRPr lang="en-IL"/>
           </a:p>
@@ -2090,7 +2090,7 @@
           <a:p>
             <a:fld id="{ED5C5C22-E027-49D5-B39E-3D0BCEE9625A}" type="datetimeFigureOut">
               <a:rPr lang="en-IL" smtClean="0"/>
-              <a:t>20-10-21</a:t>
+              <a:t>21-10-21</a:t>
             </a:fld>
             <a:endParaRPr lang="en-IL"/>
           </a:p>
@@ -2403,7 +2403,7 @@
           <a:p>
             <a:fld id="{ED5C5C22-E027-49D5-B39E-3D0BCEE9625A}" type="datetimeFigureOut">
               <a:rPr lang="en-IL" smtClean="0"/>
-              <a:t>20-10-21</a:t>
+              <a:t>21-10-21</a:t>
             </a:fld>
             <a:endParaRPr lang="en-IL"/>
           </a:p>
@@ -2692,7 +2692,7 @@
           <a:p>
             <a:fld id="{ED5C5C22-E027-49D5-B39E-3D0BCEE9625A}" type="datetimeFigureOut">
               <a:rPr lang="en-IL" smtClean="0"/>
-              <a:t>20-10-21</a:t>
+              <a:t>21-10-21</a:t>
             </a:fld>
             <a:endParaRPr lang="en-IL"/>
           </a:p>
@@ -2935,7 +2935,7 @@
           <a:p>
             <a:fld id="{ED5C5C22-E027-49D5-B39E-3D0BCEE9625A}" type="datetimeFigureOut">
               <a:rPr lang="en-IL" smtClean="0"/>
-              <a:t>20-10-21</a:t>
+              <a:t>21-10-21</a:t>
             </a:fld>
             <a:endParaRPr lang="en-IL"/>
           </a:p>
@@ -5857,8 +5857,8 @@
         </p:nvSpPr>
         <p:spPr>
           <a:xfrm>
-            <a:off x="1230199" y="1181891"/>
-            <a:ext cx="9731602" cy="4784103"/>
+            <a:off x="1230199" y="1184331"/>
+            <a:ext cx="9731602" cy="2756074"/>
           </a:xfrm>
           <a:prstGeom prst="roundRect">
             <a:avLst/>
@@ -5902,7 +5902,7 @@
         <p:spPr>
           <a:xfrm>
             <a:off x="5028063" y="537999"/>
-            <a:ext cx="2466843" cy="369332"/>
+            <a:ext cx="2466843" cy="646331"/>
           </a:xfrm>
           <a:prstGeom prst="rect">
             <a:avLst/>
@@ -5918,6 +5918,10 @@
             <a:r>
               <a:rPr lang="en-US" dirty="0" err="1"/>
               <a:t>ToDoandPostlistComp</a:t>
+            </a:r>
+            <a:r>
+              <a:rPr lang="en-US" dirty="0"/>
+              <a:t>  (Conditional Rendering)</a:t>
             </a:r>
             <a:endParaRPr lang="en-IL" dirty="0"/>
           </a:p>
@@ -5940,7 +5944,7 @@
         <p:spPr>
           <a:xfrm>
             <a:off x="6204922" y="1322121"/>
-            <a:ext cx="0" cy="4503644"/>
+            <a:ext cx="0" cy="2524015"/>
           </a:xfrm>
           <a:prstGeom prst="line">
             <a:avLst/>
@@ -5981,7 +5985,7 @@
         </p:nvSpPr>
         <p:spPr>
           <a:xfrm>
-            <a:off x="2092753" y="1818895"/>
+            <a:off x="1470547" y="1822384"/>
             <a:ext cx="2105834" cy="1407494"/>
           </a:xfrm>
           <a:prstGeom prst="roundRect">
@@ -6030,7 +6034,7 @@
         </p:nvSpPr>
         <p:spPr>
           <a:xfrm>
-            <a:off x="2092752" y="1989952"/>
+            <a:off x="1631488" y="1989084"/>
             <a:ext cx="2619527" cy="369332"/>
           </a:xfrm>
           <a:prstGeom prst="rect">
@@ -6066,7 +6070,7 @@
         </p:nvSpPr>
         <p:spPr>
           <a:xfrm>
-            <a:off x="2347629" y="2429798"/>
+            <a:off x="1725423" y="2433287"/>
             <a:ext cx="1672118" cy="323424"/>
           </a:xfrm>
           <a:prstGeom prst="roundRect">
@@ -6119,7 +6123,7 @@
         </p:nvSpPr>
         <p:spPr>
           <a:xfrm>
-            <a:off x="2347629" y="2902965"/>
+            <a:off x="1725423" y="2906454"/>
             <a:ext cx="1672118" cy="323424"/>
           </a:xfrm>
           <a:prstGeom prst="roundRect">
@@ -6172,8 +6176,8 @@
         </p:nvSpPr>
         <p:spPr>
           <a:xfrm>
-            <a:off x="7024185" y="1653943"/>
-            <a:ext cx="1931280" cy="551929"/>
+            <a:off x="4411956" y="2201293"/>
+            <a:ext cx="1575122" cy="551929"/>
           </a:xfrm>
           <a:prstGeom prst="roundRect">
             <a:avLst/>
@@ -6224,7 +6228,7 @@
         </p:nvSpPr>
         <p:spPr>
           <a:xfrm>
-            <a:off x="7167501" y="1678317"/>
+            <a:off x="4394331" y="2225667"/>
             <a:ext cx="2466843" cy="369332"/>
           </a:xfrm>
           <a:prstGeom prst="rect">
@@ -6240,7 +6244,436 @@
           <a:p>
             <a:r>
               <a:rPr lang="en-US" dirty="0" err="1"/>
-              <a:t>AddoDoComp</a:t>
+              <a:t>AddToDoComp</a:t>
+            </a:r>
+            <a:endParaRPr lang="en-IL" dirty="0"/>
+          </a:p>
+        </p:txBody>
+      </p:sp>
+      <p:sp>
+        <p:nvSpPr>
+          <p:cNvPr id="11" name="Rectangle 10">
+            <a:extLst>
+              <a:ext uri="{FF2B5EF4-FFF2-40B4-BE49-F238E27FC236}">
+                <a16:creationId xmlns:a16="http://schemas.microsoft.com/office/drawing/2014/main" id="{7C28856E-948B-4F93-B662-62E0A616620D}"/>
+              </a:ext>
+            </a:extLst>
+          </p:cNvPr>
+          <p:cNvSpPr/>
+          <p:nvPr/>
+        </p:nvSpPr>
+        <p:spPr>
+          <a:xfrm>
+            <a:off x="3493849" y="1994834"/>
+            <a:ext cx="806631" cy="830997"/>
+          </a:xfrm>
+          <a:prstGeom prst="rect">
+            <a:avLst/>
+          </a:prstGeom>
+          <a:noFill/>
+        </p:spPr>
+        <p:txBody>
+          <a:bodyPr wrap="none" lIns="91440" tIns="45720" rIns="91440" bIns="45720">
+            <a:spAutoFit/>
+          </a:bodyPr>
+          <a:lstStyle/>
+          <a:p>
+            <a:pPr algn="ctr"/>
+            <a:r>
+              <a:rPr lang="en-US" sz="4800" b="0" cap="none" spc="0" dirty="0">
+                <a:ln w="0"/>
+                <a:gradFill>
+                  <a:gsLst>
+                    <a:gs pos="0">
+                      <a:schemeClr val="accent5">
+                        <a:lumMod val="50000"/>
+                      </a:schemeClr>
+                    </a:gs>
+                    <a:gs pos="50000">
+                      <a:schemeClr val="accent5"/>
+                    </a:gs>
+                    <a:gs pos="100000">
+                      <a:schemeClr val="accent5">
+                        <a:lumMod val="60000"/>
+                        <a:lumOff val="40000"/>
+                      </a:schemeClr>
+                    </a:gs>
+                  </a:gsLst>
+                  <a:lin ang="5400000"/>
+                </a:gradFill>
+                <a:effectLst>
+                  <a:reflection blurRad="6350" stA="53000" endA="300" endPos="35500" dir="5400000" sy="-90000" algn="bl" rotWithShape="0"/>
+                </a:effectLst>
+              </a:rPr>
+              <a:t>Or</a:t>
+            </a:r>
+          </a:p>
+        </p:txBody>
+      </p:sp>
+      <p:sp>
+        <p:nvSpPr>
+          <p:cNvPr id="14" name="Rectangle: Rounded Corners 13">
+            <a:extLst>
+              <a:ext uri="{FF2B5EF4-FFF2-40B4-BE49-F238E27FC236}">
+                <a16:creationId xmlns:a16="http://schemas.microsoft.com/office/drawing/2014/main" id="{E339046C-4549-4F03-97EC-2B06228C7112}"/>
+              </a:ext>
+            </a:extLst>
+          </p:cNvPr>
+          <p:cNvSpPr/>
+          <p:nvPr/>
+        </p:nvSpPr>
+        <p:spPr>
+          <a:xfrm>
+            <a:off x="6400799" y="1851581"/>
+            <a:ext cx="1971465" cy="1841370"/>
+          </a:xfrm>
+          <a:prstGeom prst="roundRect">
+            <a:avLst/>
+          </a:prstGeom>
+        </p:spPr>
+        <p:style>
+          <a:lnRef idx="2">
+            <a:schemeClr val="accent6"/>
+          </a:lnRef>
+          <a:fillRef idx="1">
+            <a:schemeClr val="lt1"/>
+          </a:fillRef>
+          <a:effectRef idx="0">
+            <a:schemeClr val="accent6"/>
+          </a:effectRef>
+          <a:fontRef idx="minor">
+            <a:schemeClr val="dk1"/>
+          </a:fontRef>
+        </p:style>
+        <p:txBody>
+          <a:bodyPr rtlCol="0" anchor="ctr"/>
+          <a:lstStyle/>
+          <a:p>
+            <a:pPr algn="ctr"/>
+            <a:endParaRPr lang="en-IL"/>
+          </a:p>
+        </p:txBody>
+      </p:sp>
+      <p:sp>
+        <p:nvSpPr>
+          <p:cNvPr id="15" name="TextBox 14">
+            <a:extLst>
+              <a:ext uri="{FF2B5EF4-FFF2-40B4-BE49-F238E27FC236}">
+                <a16:creationId xmlns:a16="http://schemas.microsoft.com/office/drawing/2014/main" id="{C12999DE-93E8-4166-B6DD-25ED758302DE}"/>
+              </a:ext>
+            </a:extLst>
+          </p:cNvPr>
+          <p:cNvSpPr txBox="1"/>
+          <p:nvPr/>
+        </p:nvSpPr>
+        <p:spPr>
+          <a:xfrm>
+            <a:off x="6400798" y="1957514"/>
+            <a:ext cx="2466843" cy="369332"/>
+          </a:xfrm>
+          <a:prstGeom prst="rect">
+            <a:avLst/>
+          </a:prstGeom>
+          <a:noFill/>
+        </p:spPr>
+        <p:txBody>
+          <a:bodyPr wrap="square" rtlCol="0">
+            <a:spAutoFit/>
+          </a:bodyPr>
+          <a:lstStyle/>
+          <a:p>
+            <a:r>
+              <a:rPr lang="en-US" dirty="0" err="1"/>
+              <a:t>PostlistComp</a:t>
+            </a:r>
+            <a:endParaRPr lang="en-IL" dirty="0"/>
+          </a:p>
+        </p:txBody>
+      </p:sp>
+      <p:sp>
+        <p:nvSpPr>
+          <p:cNvPr id="16" name="Rectangle: Rounded Corners 15">
+            <a:extLst>
+              <a:ext uri="{FF2B5EF4-FFF2-40B4-BE49-F238E27FC236}">
+                <a16:creationId xmlns:a16="http://schemas.microsoft.com/office/drawing/2014/main" id="{42A2B233-E42B-448E-8C69-38FF013EA8B5}"/>
+              </a:ext>
+            </a:extLst>
+          </p:cNvPr>
+          <p:cNvSpPr/>
+          <p:nvPr/>
+        </p:nvSpPr>
+        <p:spPr>
+          <a:xfrm>
+            <a:off x="6633925" y="2452908"/>
+            <a:ext cx="1574656" cy="361207"/>
+          </a:xfrm>
+          <a:prstGeom prst="roundRect">
+            <a:avLst/>
+          </a:prstGeom>
+        </p:spPr>
+        <p:style>
+          <a:lnRef idx="2">
+            <a:schemeClr val="accent1"/>
+          </a:lnRef>
+          <a:fillRef idx="1">
+            <a:schemeClr val="lt1"/>
+          </a:fillRef>
+          <a:effectRef idx="0">
+            <a:schemeClr val="accent1"/>
+          </a:effectRef>
+          <a:fontRef idx="minor">
+            <a:schemeClr val="dk1"/>
+          </a:fontRef>
+        </p:style>
+        <p:txBody>
+          <a:bodyPr rtlCol="0" anchor="ctr"/>
+          <a:lstStyle/>
+          <a:p>
+            <a:endParaRPr lang="en-US" dirty="0"/>
+          </a:p>
+          <a:p>
+            <a:r>
+              <a:rPr lang="en-US" sz="1400" dirty="0" err="1"/>
+              <a:t>PostComp</a:t>
+            </a:r>
+            <a:endParaRPr lang="en-US" sz="1400" dirty="0"/>
+          </a:p>
+          <a:p>
+            <a:endParaRPr lang="en-US" dirty="0"/>
+          </a:p>
+        </p:txBody>
+      </p:sp>
+      <p:sp>
+        <p:nvSpPr>
+          <p:cNvPr id="17" name="Rectangle: Rounded Corners 16">
+            <a:extLst>
+              <a:ext uri="{FF2B5EF4-FFF2-40B4-BE49-F238E27FC236}">
+                <a16:creationId xmlns:a16="http://schemas.microsoft.com/office/drawing/2014/main" id="{2CF2EECE-5B34-472F-86A6-7D8B361963D7}"/>
+              </a:ext>
+            </a:extLst>
+          </p:cNvPr>
+          <p:cNvSpPr/>
+          <p:nvPr/>
+        </p:nvSpPr>
+        <p:spPr>
+          <a:xfrm>
+            <a:off x="6655676" y="3040327"/>
+            <a:ext cx="1574656" cy="361207"/>
+          </a:xfrm>
+          <a:prstGeom prst="roundRect">
+            <a:avLst/>
+          </a:prstGeom>
+        </p:spPr>
+        <p:style>
+          <a:lnRef idx="2">
+            <a:schemeClr val="accent1"/>
+          </a:lnRef>
+          <a:fillRef idx="1">
+            <a:schemeClr val="lt1"/>
+          </a:fillRef>
+          <a:effectRef idx="0">
+            <a:schemeClr val="accent1"/>
+          </a:effectRef>
+          <a:fontRef idx="minor">
+            <a:schemeClr val="dk1"/>
+          </a:fontRef>
+        </p:style>
+        <p:txBody>
+          <a:bodyPr rtlCol="0" anchor="ctr"/>
+          <a:lstStyle/>
+          <a:p>
+            <a:endParaRPr lang="en-US" dirty="0"/>
+          </a:p>
+          <a:p>
+            <a:r>
+              <a:rPr lang="en-US" sz="1400" dirty="0" err="1"/>
+              <a:t>PostComp</a:t>
+            </a:r>
+            <a:endParaRPr lang="en-US" sz="1400" dirty="0"/>
+          </a:p>
+          <a:p>
+            <a:endParaRPr lang="en-US" dirty="0"/>
+          </a:p>
+        </p:txBody>
+      </p:sp>
+      <p:sp>
+        <p:nvSpPr>
+          <p:cNvPr id="19" name="Rectangle: Rounded Corners 18">
+            <a:extLst>
+              <a:ext uri="{FF2B5EF4-FFF2-40B4-BE49-F238E27FC236}">
+                <a16:creationId xmlns:a16="http://schemas.microsoft.com/office/drawing/2014/main" id="{D14CD02B-71B2-4160-BD68-54A0F237AC0D}"/>
+              </a:ext>
+            </a:extLst>
+          </p:cNvPr>
+          <p:cNvSpPr/>
+          <p:nvPr/>
+        </p:nvSpPr>
+        <p:spPr>
+          <a:xfrm>
+            <a:off x="9015879" y="2241924"/>
+            <a:ext cx="1705573" cy="551929"/>
+          </a:xfrm>
+          <a:prstGeom prst="roundRect">
+            <a:avLst/>
+          </a:prstGeom>
+        </p:spPr>
+        <p:style>
+          <a:lnRef idx="2">
+            <a:schemeClr val="accent6"/>
+          </a:lnRef>
+          <a:fillRef idx="1">
+            <a:schemeClr val="lt1"/>
+          </a:fillRef>
+          <a:effectRef idx="0">
+            <a:schemeClr val="accent6"/>
+          </a:effectRef>
+          <a:fontRef idx="minor">
+            <a:schemeClr val="dk1"/>
+          </a:fontRef>
+        </p:style>
+        <p:txBody>
+          <a:bodyPr rtlCol="0" anchor="ctr"/>
+          <a:lstStyle/>
+          <a:p>
+            <a:endParaRPr lang="en-US" dirty="0"/>
+          </a:p>
+          <a:p>
+            <a:r>
+              <a:rPr lang="en-US" dirty="0"/>
+              <a:t> </a:t>
+            </a:r>
+            <a:r>
+              <a:rPr lang="en-US" dirty="0" err="1"/>
+              <a:t>AddPostComp</a:t>
+            </a:r>
+            <a:endParaRPr lang="en-US" dirty="0"/>
+          </a:p>
+          <a:p>
+            <a:endParaRPr lang="en-US" dirty="0"/>
+          </a:p>
+        </p:txBody>
+      </p:sp>
+      <p:sp>
+        <p:nvSpPr>
+          <p:cNvPr id="20" name="Rectangle 19">
+            <a:extLst>
+              <a:ext uri="{FF2B5EF4-FFF2-40B4-BE49-F238E27FC236}">
+                <a16:creationId xmlns:a16="http://schemas.microsoft.com/office/drawing/2014/main" id="{E942A74B-17C8-468C-8568-5ED52D716C0E}"/>
+              </a:ext>
+            </a:extLst>
+          </p:cNvPr>
+          <p:cNvSpPr/>
+          <p:nvPr/>
+        </p:nvSpPr>
+        <p:spPr>
+          <a:xfrm>
+            <a:off x="8294136" y="2075457"/>
+            <a:ext cx="806631" cy="830997"/>
+          </a:xfrm>
+          <a:prstGeom prst="rect">
+            <a:avLst/>
+          </a:prstGeom>
+          <a:noFill/>
+        </p:spPr>
+        <p:txBody>
+          <a:bodyPr wrap="none" lIns="91440" tIns="45720" rIns="91440" bIns="45720">
+            <a:spAutoFit/>
+          </a:bodyPr>
+          <a:lstStyle/>
+          <a:p>
+            <a:pPr algn="ctr"/>
+            <a:r>
+              <a:rPr lang="en-US" sz="4800" b="0" cap="none" spc="0" dirty="0">
+                <a:ln w="0"/>
+                <a:gradFill>
+                  <a:gsLst>
+                    <a:gs pos="0">
+                      <a:schemeClr val="accent5">
+                        <a:lumMod val="50000"/>
+                      </a:schemeClr>
+                    </a:gs>
+                    <a:gs pos="50000">
+                      <a:schemeClr val="accent5"/>
+                    </a:gs>
+                    <a:gs pos="100000">
+                      <a:schemeClr val="accent5">
+                        <a:lumMod val="60000"/>
+                        <a:lumOff val="40000"/>
+                      </a:schemeClr>
+                    </a:gs>
+                  </a:gsLst>
+                  <a:lin ang="5400000"/>
+                </a:gradFill>
+                <a:effectLst>
+                  <a:reflection blurRad="6350" stA="53000" endA="300" endPos="35500" dir="5400000" sy="-90000" algn="bl" rotWithShape="0"/>
+                </a:effectLst>
+              </a:rPr>
+              <a:t>Or</a:t>
+            </a:r>
+          </a:p>
+        </p:txBody>
+      </p:sp>
+      <p:sp>
+        <p:nvSpPr>
+          <p:cNvPr id="23" name="TextBox 22">
+            <a:extLst>
+              <a:ext uri="{FF2B5EF4-FFF2-40B4-BE49-F238E27FC236}">
+                <a16:creationId xmlns:a16="http://schemas.microsoft.com/office/drawing/2014/main" id="{71A3E044-F70C-4289-9D23-EB3EB9805651}"/>
+              </a:ext>
+            </a:extLst>
+          </p:cNvPr>
+          <p:cNvSpPr txBox="1"/>
+          <p:nvPr/>
+        </p:nvSpPr>
+        <p:spPr>
+          <a:xfrm>
+            <a:off x="1470547" y="4524866"/>
+            <a:ext cx="9491254" cy="1200329"/>
+          </a:xfrm>
+          <a:prstGeom prst="rect">
+            <a:avLst/>
+          </a:prstGeom>
+          <a:noFill/>
+        </p:spPr>
+        <p:txBody>
+          <a:bodyPr wrap="square" rtlCol="0">
+            <a:spAutoFit/>
+          </a:bodyPr>
+          <a:lstStyle/>
+          <a:p>
+            <a:r>
+              <a:rPr lang="en-US" dirty="0"/>
+              <a:t>The </a:t>
+            </a:r>
+            <a:r>
+              <a:rPr lang="en-US" dirty="0" err="1"/>
+              <a:t>TodolistComp</a:t>
+            </a:r>
+            <a:r>
+              <a:rPr lang="en-US" dirty="0"/>
+              <a:t> contains virtually 4 components</a:t>
+            </a:r>
+          </a:p>
+          <a:p>
+            <a:r>
+              <a:rPr lang="en-US" dirty="0"/>
+              <a:t>It will only display 2 components at a time based on conditional rendering</a:t>
+            </a:r>
+          </a:p>
+          <a:p>
+            <a:r>
+              <a:rPr lang="en-US" dirty="0"/>
+              <a:t>When the add post screen is displayed the post list is not rendered </a:t>
+            </a:r>
+          </a:p>
+          <a:p>
+            <a:r>
+              <a:rPr lang="en-US" dirty="0"/>
+              <a:t> When the add to do screen is displayed the </a:t>
+            </a:r>
+            <a:r>
+              <a:rPr lang="en-US"/>
+              <a:t>todo list is not rendered</a:t>
             </a:r>
             <a:endParaRPr lang="en-IL" dirty="0"/>
           </a:p>
